--- a/documentation.pptx
+++ b/documentation.pptx
@@ -259,7 +259,7 @@
           <a:p>
             <a:fld id="{FDE81245-DCC9-4177-8083-55FB5CED8378}" type="datetimeFigureOut">
               <a:rPr lang="de-DE" smtClean="0"/>
-              <a:t>05.12.2024</a:t>
+              <a:t>08.12.2024</a:t>
             </a:fld>
             <a:endParaRPr lang="de-DE"/>
           </a:p>
@@ -457,7 +457,7 @@
           <a:p>
             <a:fld id="{FDE81245-DCC9-4177-8083-55FB5CED8378}" type="datetimeFigureOut">
               <a:rPr lang="de-DE" smtClean="0"/>
-              <a:t>05.12.2024</a:t>
+              <a:t>08.12.2024</a:t>
             </a:fld>
             <a:endParaRPr lang="de-DE"/>
           </a:p>
@@ -665,7 +665,7 @@
           <a:p>
             <a:fld id="{FDE81245-DCC9-4177-8083-55FB5CED8378}" type="datetimeFigureOut">
               <a:rPr lang="de-DE" smtClean="0"/>
-              <a:t>05.12.2024</a:t>
+              <a:t>08.12.2024</a:t>
             </a:fld>
             <a:endParaRPr lang="de-DE"/>
           </a:p>
@@ -863,7 +863,7 @@
           <a:p>
             <a:fld id="{FDE81245-DCC9-4177-8083-55FB5CED8378}" type="datetimeFigureOut">
               <a:rPr lang="de-DE" smtClean="0"/>
-              <a:t>05.12.2024</a:t>
+              <a:t>08.12.2024</a:t>
             </a:fld>
             <a:endParaRPr lang="de-DE"/>
           </a:p>
@@ -1138,7 +1138,7 @@
           <a:p>
             <a:fld id="{FDE81245-DCC9-4177-8083-55FB5CED8378}" type="datetimeFigureOut">
               <a:rPr lang="de-DE" smtClean="0"/>
-              <a:t>05.12.2024</a:t>
+              <a:t>08.12.2024</a:t>
             </a:fld>
             <a:endParaRPr lang="de-DE"/>
           </a:p>
@@ -1403,7 +1403,7 @@
           <a:p>
             <a:fld id="{FDE81245-DCC9-4177-8083-55FB5CED8378}" type="datetimeFigureOut">
               <a:rPr lang="de-DE" smtClean="0"/>
-              <a:t>05.12.2024</a:t>
+              <a:t>08.12.2024</a:t>
             </a:fld>
             <a:endParaRPr lang="de-DE"/>
           </a:p>
@@ -1815,7 +1815,7 @@
           <a:p>
             <a:fld id="{FDE81245-DCC9-4177-8083-55FB5CED8378}" type="datetimeFigureOut">
               <a:rPr lang="de-DE" smtClean="0"/>
-              <a:t>05.12.2024</a:t>
+              <a:t>08.12.2024</a:t>
             </a:fld>
             <a:endParaRPr lang="de-DE"/>
           </a:p>
@@ -1956,7 +1956,7 @@
           <a:p>
             <a:fld id="{FDE81245-DCC9-4177-8083-55FB5CED8378}" type="datetimeFigureOut">
               <a:rPr lang="de-DE" smtClean="0"/>
-              <a:t>05.12.2024</a:t>
+              <a:t>08.12.2024</a:t>
             </a:fld>
             <a:endParaRPr lang="de-DE"/>
           </a:p>
@@ -2069,7 +2069,7 @@
           <a:p>
             <a:fld id="{FDE81245-DCC9-4177-8083-55FB5CED8378}" type="datetimeFigureOut">
               <a:rPr lang="de-DE" smtClean="0"/>
-              <a:t>05.12.2024</a:t>
+              <a:t>08.12.2024</a:t>
             </a:fld>
             <a:endParaRPr lang="de-DE"/>
           </a:p>
@@ -2380,7 +2380,7 @@
           <a:p>
             <a:fld id="{FDE81245-DCC9-4177-8083-55FB5CED8378}" type="datetimeFigureOut">
               <a:rPr lang="de-DE" smtClean="0"/>
-              <a:t>05.12.2024</a:t>
+              <a:t>08.12.2024</a:t>
             </a:fld>
             <a:endParaRPr lang="de-DE"/>
           </a:p>
@@ -2668,7 +2668,7 @@
           <a:p>
             <a:fld id="{FDE81245-DCC9-4177-8083-55FB5CED8378}" type="datetimeFigureOut">
               <a:rPr lang="de-DE" smtClean="0"/>
-              <a:t>05.12.2024</a:t>
+              <a:t>08.12.2024</a:t>
             </a:fld>
             <a:endParaRPr lang="de-DE"/>
           </a:p>
@@ -2909,7 +2909,7 @@
           <a:p>
             <a:fld id="{FDE81245-DCC9-4177-8083-55FB5CED8378}" type="datetimeFigureOut">
               <a:rPr lang="de-DE" smtClean="0"/>
-              <a:t>05.12.2024</a:t>
+              <a:t>08.12.2024</a:t>
             </a:fld>
             <a:endParaRPr lang="de-DE"/>
           </a:p>
@@ -4103,7 +4103,7 @@
             <a:pPr algn="ctr"/>
             <a:r>
               <a:rPr lang="de-DE" dirty="0"/>
-              <a:t>review</a:t>
+              <a:t>Display9</a:t>
             </a:r>
           </a:p>
         </p:txBody>

--- a/documentation.pptx
+++ b/documentation.pptx
@@ -259,7 +259,7 @@
           <a:p>
             <a:fld id="{FDE81245-DCC9-4177-8083-55FB5CED8378}" type="datetimeFigureOut">
               <a:rPr lang="de-DE" smtClean="0"/>
-              <a:t>08.12.2024</a:t>
+              <a:t>09.12.2024</a:t>
             </a:fld>
             <a:endParaRPr lang="de-DE"/>
           </a:p>
@@ -457,7 +457,7 @@
           <a:p>
             <a:fld id="{FDE81245-DCC9-4177-8083-55FB5CED8378}" type="datetimeFigureOut">
               <a:rPr lang="de-DE" smtClean="0"/>
-              <a:t>08.12.2024</a:t>
+              <a:t>09.12.2024</a:t>
             </a:fld>
             <a:endParaRPr lang="de-DE"/>
           </a:p>
@@ -665,7 +665,7 @@
           <a:p>
             <a:fld id="{FDE81245-DCC9-4177-8083-55FB5CED8378}" type="datetimeFigureOut">
               <a:rPr lang="de-DE" smtClean="0"/>
-              <a:t>08.12.2024</a:t>
+              <a:t>09.12.2024</a:t>
             </a:fld>
             <a:endParaRPr lang="de-DE"/>
           </a:p>
@@ -863,7 +863,7 @@
           <a:p>
             <a:fld id="{FDE81245-DCC9-4177-8083-55FB5CED8378}" type="datetimeFigureOut">
               <a:rPr lang="de-DE" smtClean="0"/>
-              <a:t>08.12.2024</a:t>
+              <a:t>09.12.2024</a:t>
             </a:fld>
             <a:endParaRPr lang="de-DE"/>
           </a:p>
@@ -1138,7 +1138,7 @@
           <a:p>
             <a:fld id="{FDE81245-DCC9-4177-8083-55FB5CED8378}" type="datetimeFigureOut">
               <a:rPr lang="de-DE" smtClean="0"/>
-              <a:t>08.12.2024</a:t>
+              <a:t>09.12.2024</a:t>
             </a:fld>
             <a:endParaRPr lang="de-DE"/>
           </a:p>
@@ -1403,7 +1403,7 @@
           <a:p>
             <a:fld id="{FDE81245-DCC9-4177-8083-55FB5CED8378}" type="datetimeFigureOut">
               <a:rPr lang="de-DE" smtClean="0"/>
-              <a:t>08.12.2024</a:t>
+              <a:t>09.12.2024</a:t>
             </a:fld>
             <a:endParaRPr lang="de-DE"/>
           </a:p>
@@ -1815,7 +1815,7 @@
           <a:p>
             <a:fld id="{FDE81245-DCC9-4177-8083-55FB5CED8378}" type="datetimeFigureOut">
               <a:rPr lang="de-DE" smtClean="0"/>
-              <a:t>08.12.2024</a:t>
+              <a:t>09.12.2024</a:t>
             </a:fld>
             <a:endParaRPr lang="de-DE"/>
           </a:p>
@@ -1956,7 +1956,7 @@
           <a:p>
             <a:fld id="{FDE81245-DCC9-4177-8083-55FB5CED8378}" type="datetimeFigureOut">
               <a:rPr lang="de-DE" smtClean="0"/>
-              <a:t>08.12.2024</a:t>
+              <a:t>09.12.2024</a:t>
             </a:fld>
             <a:endParaRPr lang="de-DE"/>
           </a:p>
@@ -2069,7 +2069,7 @@
           <a:p>
             <a:fld id="{FDE81245-DCC9-4177-8083-55FB5CED8378}" type="datetimeFigureOut">
               <a:rPr lang="de-DE" smtClean="0"/>
-              <a:t>08.12.2024</a:t>
+              <a:t>09.12.2024</a:t>
             </a:fld>
             <a:endParaRPr lang="de-DE"/>
           </a:p>
@@ -2380,7 +2380,7 @@
           <a:p>
             <a:fld id="{FDE81245-DCC9-4177-8083-55FB5CED8378}" type="datetimeFigureOut">
               <a:rPr lang="de-DE" smtClean="0"/>
-              <a:t>08.12.2024</a:t>
+              <a:t>09.12.2024</a:t>
             </a:fld>
             <a:endParaRPr lang="de-DE"/>
           </a:p>
@@ -2668,7 +2668,7 @@
           <a:p>
             <a:fld id="{FDE81245-DCC9-4177-8083-55FB5CED8378}" type="datetimeFigureOut">
               <a:rPr lang="de-DE" smtClean="0"/>
-              <a:t>08.12.2024</a:t>
+              <a:t>09.12.2024</a:t>
             </a:fld>
             <a:endParaRPr lang="de-DE"/>
           </a:p>
@@ -2909,7 +2909,7 @@
           <a:p>
             <a:fld id="{FDE81245-DCC9-4177-8083-55FB5CED8378}" type="datetimeFigureOut">
               <a:rPr lang="de-DE" smtClean="0"/>
-              <a:t>08.12.2024</a:t>
+              <a:t>09.12.2024</a:t>
             </a:fld>
             <a:endParaRPr lang="de-DE"/>
           </a:p>
@@ -4151,6 +4151,95 @@
           </a:fontRef>
         </p:style>
       </p:cxnSp>
+      <p:cxnSp>
+        <p:nvCxnSpPr>
+          <p:cNvPr id="14" name="Verbinder: gewinkelt 13">
+            <a:extLst>
+              <a:ext uri="{FF2B5EF4-FFF2-40B4-BE49-F238E27FC236}">
+                <a16:creationId xmlns:a16="http://schemas.microsoft.com/office/drawing/2014/main" id="{60FACA08-DC53-564B-9F2D-FFC9794D6A1F}"/>
+              </a:ext>
+            </a:extLst>
+          </p:cNvPr>
+          <p:cNvCxnSpPr>
+            <a:cxnSpLocks/>
+          </p:cNvCxnSpPr>
+          <p:nvPr/>
+        </p:nvCxnSpPr>
+        <p:spPr>
+          <a:xfrm flipV="1">
+            <a:off x="5393633" y="2824444"/>
+            <a:ext cx="3604593" cy="1137952"/>
+          </a:xfrm>
+          <a:prstGeom prst="bentConnector3">
+            <a:avLst>
+              <a:gd name="adj1" fmla="val 99816"/>
+            </a:avLst>
+          </a:prstGeom>
+          <a:ln w="57150">
+            <a:solidFill>
+              <a:schemeClr val="accent3">
+                <a:lumMod val="40000"/>
+                <a:lumOff val="60000"/>
+              </a:schemeClr>
+            </a:solidFill>
+            <a:tailEnd type="triangle"/>
+          </a:ln>
+        </p:spPr>
+        <p:style>
+          <a:lnRef idx="2">
+            <a:schemeClr val="accent1"/>
+          </a:lnRef>
+          <a:fillRef idx="0">
+            <a:schemeClr val="accent1"/>
+          </a:fillRef>
+          <a:effectRef idx="1">
+            <a:schemeClr val="accent1"/>
+          </a:effectRef>
+          <a:fontRef idx="minor">
+            <a:schemeClr val="tx1"/>
+          </a:fontRef>
+        </p:style>
+      </p:cxnSp>
+      <p:sp>
+        <p:nvSpPr>
+          <p:cNvPr id="18" name="Textfeld 17">
+            <a:extLst>
+              <a:ext uri="{FF2B5EF4-FFF2-40B4-BE49-F238E27FC236}">
+                <a16:creationId xmlns:a16="http://schemas.microsoft.com/office/drawing/2014/main" id="{01758766-E5BE-D7AE-013E-6407E9845002}"/>
+              </a:ext>
+            </a:extLst>
+          </p:cNvPr>
+          <p:cNvSpPr txBox="1"/>
+          <p:nvPr/>
+        </p:nvSpPr>
+        <p:spPr>
+          <a:xfrm>
+            <a:off x="7103165" y="3805968"/>
+            <a:ext cx="1521955" cy="369332"/>
+          </a:xfrm>
+          <a:prstGeom prst="rect">
+            <a:avLst/>
+          </a:prstGeom>
+          <a:noFill/>
+        </p:spPr>
+        <p:txBody>
+          <a:bodyPr wrap="none" rtlCol="0">
+            <a:spAutoFit/>
+          </a:bodyPr>
+          <a:lstStyle/>
+          <a:p>
+            <a:r>
+              <a:rPr lang="de-DE" dirty="0"/>
+              <a:t>GPS + </a:t>
+            </a:r>
+            <a:r>
+              <a:rPr lang="de-DE" dirty="0" err="1"/>
+              <a:t>swipes</a:t>
+            </a:r>
+            <a:endParaRPr lang="de-DE" dirty="0"/>
+          </a:p>
+        </p:txBody>
+      </p:sp>
     </p:spTree>
     <p:extLst>
       <p:ext uri="{BB962C8B-B14F-4D97-AF65-F5344CB8AC3E}">

--- a/documentation.pptx
+++ b/documentation.pptx
@@ -259,7 +259,7 @@
           <a:p>
             <a:fld id="{FDE81245-DCC9-4177-8083-55FB5CED8378}" type="datetimeFigureOut">
               <a:rPr lang="de-DE" smtClean="0"/>
-              <a:t>09.12.2024</a:t>
+              <a:t>12.12.2024</a:t>
             </a:fld>
             <a:endParaRPr lang="de-DE"/>
           </a:p>
@@ -457,7 +457,7 @@
           <a:p>
             <a:fld id="{FDE81245-DCC9-4177-8083-55FB5CED8378}" type="datetimeFigureOut">
               <a:rPr lang="de-DE" smtClean="0"/>
-              <a:t>09.12.2024</a:t>
+              <a:t>12.12.2024</a:t>
             </a:fld>
             <a:endParaRPr lang="de-DE"/>
           </a:p>
@@ -665,7 +665,7 @@
           <a:p>
             <a:fld id="{FDE81245-DCC9-4177-8083-55FB5CED8378}" type="datetimeFigureOut">
               <a:rPr lang="de-DE" smtClean="0"/>
-              <a:t>09.12.2024</a:t>
+              <a:t>12.12.2024</a:t>
             </a:fld>
             <a:endParaRPr lang="de-DE"/>
           </a:p>
@@ -863,7 +863,7 @@
           <a:p>
             <a:fld id="{FDE81245-DCC9-4177-8083-55FB5CED8378}" type="datetimeFigureOut">
               <a:rPr lang="de-DE" smtClean="0"/>
-              <a:t>09.12.2024</a:t>
+              <a:t>12.12.2024</a:t>
             </a:fld>
             <a:endParaRPr lang="de-DE"/>
           </a:p>
@@ -1138,7 +1138,7 @@
           <a:p>
             <a:fld id="{FDE81245-DCC9-4177-8083-55FB5CED8378}" type="datetimeFigureOut">
               <a:rPr lang="de-DE" smtClean="0"/>
-              <a:t>09.12.2024</a:t>
+              <a:t>12.12.2024</a:t>
             </a:fld>
             <a:endParaRPr lang="de-DE"/>
           </a:p>
@@ -1403,7 +1403,7 @@
           <a:p>
             <a:fld id="{FDE81245-DCC9-4177-8083-55FB5CED8378}" type="datetimeFigureOut">
               <a:rPr lang="de-DE" smtClean="0"/>
-              <a:t>09.12.2024</a:t>
+              <a:t>12.12.2024</a:t>
             </a:fld>
             <a:endParaRPr lang="de-DE"/>
           </a:p>
@@ -1815,7 +1815,7 @@
           <a:p>
             <a:fld id="{FDE81245-DCC9-4177-8083-55FB5CED8378}" type="datetimeFigureOut">
               <a:rPr lang="de-DE" smtClean="0"/>
-              <a:t>09.12.2024</a:t>
+              <a:t>12.12.2024</a:t>
             </a:fld>
             <a:endParaRPr lang="de-DE"/>
           </a:p>
@@ -1956,7 +1956,7 @@
           <a:p>
             <a:fld id="{FDE81245-DCC9-4177-8083-55FB5CED8378}" type="datetimeFigureOut">
               <a:rPr lang="de-DE" smtClean="0"/>
-              <a:t>09.12.2024</a:t>
+              <a:t>12.12.2024</a:t>
             </a:fld>
             <a:endParaRPr lang="de-DE"/>
           </a:p>
@@ -2069,7 +2069,7 @@
           <a:p>
             <a:fld id="{FDE81245-DCC9-4177-8083-55FB5CED8378}" type="datetimeFigureOut">
               <a:rPr lang="de-DE" smtClean="0"/>
-              <a:t>09.12.2024</a:t>
+              <a:t>12.12.2024</a:t>
             </a:fld>
             <a:endParaRPr lang="de-DE"/>
           </a:p>
@@ -2380,7 +2380,7 @@
           <a:p>
             <a:fld id="{FDE81245-DCC9-4177-8083-55FB5CED8378}" type="datetimeFigureOut">
               <a:rPr lang="de-DE" smtClean="0"/>
-              <a:t>09.12.2024</a:t>
+              <a:t>12.12.2024</a:t>
             </a:fld>
             <a:endParaRPr lang="de-DE"/>
           </a:p>
@@ -2668,7 +2668,7 @@
           <a:p>
             <a:fld id="{FDE81245-DCC9-4177-8083-55FB5CED8378}" type="datetimeFigureOut">
               <a:rPr lang="de-DE" smtClean="0"/>
-              <a:t>09.12.2024</a:t>
+              <a:t>12.12.2024</a:t>
             </a:fld>
             <a:endParaRPr lang="de-DE"/>
           </a:p>
@@ -2909,7 +2909,7 @@
           <a:p>
             <a:fld id="{FDE81245-DCC9-4177-8083-55FB5CED8378}" type="datetimeFigureOut">
               <a:rPr lang="de-DE" smtClean="0"/>
-              <a:t>09.12.2024</a:t>
+              <a:t>12.12.2024</a:t>
             </a:fld>
             <a:endParaRPr lang="de-DE"/>
           </a:p>
@@ -4237,6 +4237,153 @@
               <a:t>swipes</a:t>
             </a:r>
             <a:endParaRPr lang="de-DE" dirty="0"/>
+          </a:p>
+        </p:txBody>
+      </p:sp>
+      <p:sp>
+        <p:nvSpPr>
+          <p:cNvPr id="9" name="Rechteck: abgerundete Ecken 8">
+            <a:extLst>
+              <a:ext uri="{FF2B5EF4-FFF2-40B4-BE49-F238E27FC236}">
+                <a16:creationId xmlns:a16="http://schemas.microsoft.com/office/drawing/2014/main" id="{3C1211AE-0A48-23E5-396E-B634C5C93AB1}"/>
+              </a:ext>
+            </a:extLst>
+          </p:cNvPr>
+          <p:cNvSpPr/>
+          <p:nvPr/>
+        </p:nvSpPr>
+        <p:spPr>
+          <a:xfrm>
+            <a:off x="10807145" y="2378763"/>
+            <a:ext cx="1113183" cy="417443"/>
+          </a:xfrm>
+          <a:prstGeom prst="roundRect">
+            <a:avLst/>
+          </a:prstGeom>
+        </p:spPr>
+        <p:style>
+          <a:lnRef idx="2">
+            <a:schemeClr val="accent4">
+              <a:shade val="15000"/>
+            </a:schemeClr>
+          </a:lnRef>
+          <a:fillRef idx="1">
+            <a:schemeClr val="accent4"/>
+          </a:fillRef>
+          <a:effectRef idx="0">
+            <a:schemeClr val="accent4"/>
+          </a:effectRef>
+          <a:fontRef idx="minor">
+            <a:schemeClr val="lt1"/>
+          </a:fontRef>
+        </p:style>
+        <p:txBody>
+          <a:bodyPr rtlCol="0" anchor="ctr"/>
+          <a:lstStyle/>
+          <a:p>
+            <a:pPr algn="ctr"/>
+            <a:r>
+              <a:rPr lang="de-DE" dirty="0"/>
+              <a:t>Wall TV</a:t>
+            </a:r>
+          </a:p>
+        </p:txBody>
+      </p:sp>
+      <p:sp>
+        <p:nvSpPr>
+          <p:cNvPr id="15" name="Rechteck: abgerundete Ecken 14">
+            <a:extLst>
+              <a:ext uri="{FF2B5EF4-FFF2-40B4-BE49-F238E27FC236}">
+                <a16:creationId xmlns:a16="http://schemas.microsoft.com/office/drawing/2014/main" id="{732D8142-F15D-6360-E32F-74D396D798B0}"/>
+              </a:ext>
+            </a:extLst>
+          </p:cNvPr>
+          <p:cNvSpPr/>
+          <p:nvPr/>
+        </p:nvSpPr>
+        <p:spPr>
+          <a:xfrm>
+            <a:off x="3008245" y="2179940"/>
+            <a:ext cx="1113183" cy="417443"/>
+          </a:xfrm>
+          <a:prstGeom prst="roundRect">
+            <a:avLst/>
+          </a:prstGeom>
+        </p:spPr>
+        <p:style>
+          <a:lnRef idx="2">
+            <a:schemeClr val="accent4">
+              <a:shade val="15000"/>
+            </a:schemeClr>
+          </a:lnRef>
+          <a:fillRef idx="1">
+            <a:schemeClr val="accent4"/>
+          </a:fillRef>
+          <a:effectRef idx="0">
+            <a:schemeClr val="accent4"/>
+          </a:effectRef>
+          <a:fontRef idx="minor">
+            <a:schemeClr val="lt1"/>
+          </a:fontRef>
+        </p:style>
+        <p:txBody>
+          <a:bodyPr rtlCol="0" anchor="ctr"/>
+          <a:lstStyle/>
+          <a:p>
+            <a:pPr algn="ctr"/>
+            <a:r>
+              <a:rPr lang="de-DE" dirty="0"/>
+              <a:t>PC</a:t>
+            </a:r>
+          </a:p>
+        </p:txBody>
+      </p:sp>
+      <p:sp>
+        <p:nvSpPr>
+          <p:cNvPr id="16" name="Rechteck: abgerundete Ecken 15">
+            <a:extLst>
+              <a:ext uri="{FF2B5EF4-FFF2-40B4-BE49-F238E27FC236}">
+                <a16:creationId xmlns:a16="http://schemas.microsoft.com/office/drawing/2014/main" id="{1D64740D-606E-B602-7352-06AC83F63826}"/>
+              </a:ext>
+            </a:extLst>
+          </p:cNvPr>
+          <p:cNvSpPr/>
+          <p:nvPr/>
+        </p:nvSpPr>
+        <p:spPr>
+          <a:xfrm>
+            <a:off x="4280450" y="4096570"/>
+            <a:ext cx="1113183" cy="417443"/>
+          </a:xfrm>
+          <a:prstGeom prst="roundRect">
+            <a:avLst/>
+          </a:prstGeom>
+        </p:spPr>
+        <p:style>
+          <a:lnRef idx="2">
+            <a:schemeClr val="accent4">
+              <a:shade val="15000"/>
+            </a:schemeClr>
+          </a:lnRef>
+          <a:fillRef idx="1">
+            <a:schemeClr val="accent4"/>
+          </a:fillRef>
+          <a:effectRef idx="0">
+            <a:schemeClr val="accent4"/>
+          </a:effectRef>
+          <a:fontRef idx="minor">
+            <a:schemeClr val="lt1"/>
+          </a:fontRef>
+        </p:style>
+        <p:txBody>
+          <a:bodyPr rtlCol="0" anchor="ctr"/>
+          <a:lstStyle/>
+          <a:p>
+            <a:pPr algn="ctr"/>
+            <a:r>
+              <a:rPr lang="de-DE" dirty="0"/>
+              <a:t>Mobile</a:t>
+            </a:r>
           </a:p>
         </p:txBody>
       </p:sp>
